--- a/HW5/PHYS3151_prez.pptx
+++ b/HW5/PHYS3151_prez.pptx
@@ -139,13 +139,36 @@
 <p1510:revInfo xmlns:a="http://schemas.openxmlformats.org/drawingml/2006/main" xmlns:r="http://schemas.openxmlformats.org/officeDocument/2006/relationships" xmlns:p1510="http://schemas.microsoft.com/office/powerpoint/2015/10/main">
   <p1510:revLst>
     <p1510:client id="{3E39B3EF-A27C-44AA-9D5B-66013D61B5F0}" v="1198" dt="2023-04-24T15:43:39.456"/>
-    <p1510:client id="{E99FD2AC-269C-7DDD-3D1A-79CCF00CF8B7}" v="4" dt="2023-04-24T15:43:14.668"/>
   </p1510:revLst>
 </p1510:revInfo>
 </file>
 
 <file path=ppt/changesInfos/changesInfo1.xml><?xml version="1.0" encoding="utf-8"?>
 <pc:chgInfo xmlns:a="http://schemas.openxmlformats.org/drawingml/2006/main" xmlns:r="http://schemas.openxmlformats.org/officeDocument/2006/relationships" xmlns:ac="http://schemas.microsoft.com/office/drawing/2013/main/command" xmlns:pc="http://schemas.microsoft.com/office/powerpoint/2013/main/command">
+  <pc:docChgLst>
+    <pc:chgData clId="Web-{E99FD2AC-269C-7DDD-3D1A-79CCF00CF8B7}"/>
+    <pc:docChg chg="modSld">
+      <pc:chgData name="" userId="" providerId="" clId="Web-{E99FD2AC-269C-7DDD-3D1A-79CCF00CF8B7}" dt="2023-04-24T15:43:09.621" v="0" actId="20577"/>
+      <pc:docMkLst>
+        <pc:docMk/>
+      </pc:docMkLst>
+      <pc:sldChg chg="modSp">
+        <pc:chgData name="" userId="" providerId="" clId="Web-{E99FD2AC-269C-7DDD-3D1A-79CCF00CF8B7}" dt="2023-04-24T15:43:09.621" v="0" actId="20577"/>
+        <pc:sldMkLst>
+          <pc:docMk/>
+          <pc:sldMk cId="2266166171" sldId="261"/>
+        </pc:sldMkLst>
+        <pc:spChg chg="mod">
+          <ac:chgData name="" userId="" providerId="" clId="Web-{E99FD2AC-269C-7DDD-3D1A-79CCF00CF8B7}" dt="2023-04-24T15:43:09.621" v="0" actId="20577"/>
+          <ac:spMkLst>
+            <pc:docMk/>
+            <pc:sldMk cId="2266166171" sldId="261"/>
+            <ac:spMk id="3" creationId="{B6C157C3-CCB7-2CCB-8B5B-67137A4A96EC}"/>
+          </ac:spMkLst>
+        </pc:spChg>
+      </pc:sldChg>
+    </pc:docChg>
+  </pc:docChgLst>
   <pc:docChgLst>
     <pc:chgData name="来宾用户" userId="S::urn:spo:anon#c211f73bc028db807abbe333373c280e434778ff361f736bb4fb2750b29d8406::" providerId="AD" clId="Web-{E99FD2AC-269C-7DDD-3D1A-79CCF00CF8B7}"/>
     <pc:docChg chg="modSld">
@@ -173,12 +196,12 @@
   <pc:docChgLst>
     <pc:chgData name="u3576731@connect.hku.hk" userId="0de5b9f1-4841-4bf4-9210-fdfbf365d198" providerId="ADAL" clId="{3E39B3EF-A27C-44AA-9D5B-66013D61B5F0}"/>
     <pc:docChg chg="undo redo custSel addSld delSld modSld sldOrd modMainMaster">
-      <pc:chgData name="u3576731@connect.hku.hk" userId="0de5b9f1-4841-4bf4-9210-fdfbf365d198" providerId="ADAL" clId="{3E39B3EF-A27C-44AA-9D5B-66013D61B5F0}" dt="2023-04-24T15:43:39.456" v="4914" actId="20577"/>
+      <pc:chgData name="u3576731@connect.hku.hk" userId="0de5b9f1-4841-4bf4-9210-fdfbf365d198" providerId="ADAL" clId="{3E39B3EF-A27C-44AA-9D5B-66013D61B5F0}" dt="2023-05-18T03:43:24.546" v="4917" actId="478"/>
       <pc:docMkLst>
         <pc:docMk/>
       </pc:docMkLst>
       <pc:sldChg chg="addSp delSp modSp mod setBg modAnim modNotesTx">
-        <pc:chgData name="u3576731@connect.hku.hk" userId="0de5b9f1-4841-4bf4-9210-fdfbf365d198" providerId="ADAL" clId="{3E39B3EF-A27C-44AA-9D5B-66013D61B5F0}" dt="2023-04-24T15:43:39.456" v="4914" actId="20577"/>
+        <pc:chgData name="u3576731@connect.hku.hk" userId="0de5b9f1-4841-4bf4-9210-fdfbf365d198" providerId="ADAL" clId="{3E39B3EF-A27C-44AA-9D5B-66013D61B5F0}" dt="2023-05-18T03:43:24.546" v="4917" actId="478"/>
         <pc:sldMkLst>
           <pc:docMk/>
           <pc:sldMk cId="2266166171" sldId="261"/>
@@ -191,8 +214,8 @@
             <ac:spMk id="2" creationId="{11E1370A-20E2-1B1D-09CA-88E4572C6CDE}"/>
           </ac:spMkLst>
         </pc:spChg>
-        <pc:spChg chg="mod">
-          <ac:chgData name="u3576731@connect.hku.hk" userId="0de5b9f1-4841-4bf4-9210-fdfbf365d198" providerId="ADAL" clId="{3E39B3EF-A27C-44AA-9D5B-66013D61B5F0}" dt="2023-04-24T15:43:39.456" v="4914" actId="20577"/>
+        <pc:spChg chg="del mod">
+          <ac:chgData name="u3576731@connect.hku.hk" userId="0de5b9f1-4841-4bf4-9210-fdfbf365d198" providerId="ADAL" clId="{3E39B3EF-A27C-44AA-9D5B-66013D61B5F0}" dt="2023-05-18T03:43:24.546" v="4917" actId="478"/>
           <ac:spMkLst>
             <pc:docMk/>
             <pc:sldMk cId="2266166171" sldId="261"/>
@@ -4588,30 +4611,6 @@
           </pc:sldLayoutMkLst>
         </pc:sldLayoutChg>
       </pc:sldMasterChg>
-    </pc:docChg>
-  </pc:docChgLst>
-  <pc:docChgLst>
-    <pc:chgData clId="Web-{E99FD2AC-269C-7DDD-3D1A-79CCF00CF8B7}"/>
-    <pc:docChg chg="modSld">
-      <pc:chgData name="" userId="" providerId="" clId="Web-{E99FD2AC-269C-7DDD-3D1A-79CCF00CF8B7}" dt="2023-04-24T15:43:09.621" v="0" actId="20577"/>
-      <pc:docMkLst>
-        <pc:docMk/>
-      </pc:docMkLst>
-      <pc:sldChg chg="modSp">
-        <pc:chgData name="" userId="" providerId="" clId="Web-{E99FD2AC-269C-7DDD-3D1A-79CCF00CF8B7}" dt="2023-04-24T15:43:09.621" v="0" actId="20577"/>
-        <pc:sldMkLst>
-          <pc:docMk/>
-          <pc:sldMk cId="2266166171" sldId="261"/>
-        </pc:sldMkLst>
-        <pc:spChg chg="mod">
-          <ac:chgData name="" userId="" providerId="" clId="Web-{E99FD2AC-269C-7DDD-3D1A-79CCF00CF8B7}" dt="2023-04-24T15:43:09.621" v="0" actId="20577"/>
-          <ac:spMkLst>
-            <pc:docMk/>
-            <pc:sldMk cId="2266166171" sldId="261"/>
-            <ac:spMk id="3" creationId="{B6C157C3-CCB7-2CCB-8B5B-67137A4A96EC}"/>
-          </ac:spMkLst>
-        </pc:spChg>
-      </pc:sldChg>
     </pc:docChg>
   </pc:docChgLst>
 </pc:chgInfo>
@@ -4699,7 +4698,7 @@
           <a:p>
             <a:fld id="{AE036ED2-C0AB-4232-A871-269988C83269}" type="datetimeFigureOut">
               <a:rPr lang="zh-Hans-HK" altLang="en-US" smtClean="0"/>
-              <a:t>04/24/2023</a:t>
+              <a:t>18/5/2023</a:t>
             </a:fld>
             <a:endParaRPr lang="zh-Hans-HK" altLang="en-US"/>
           </a:p>
@@ -6335,7 +6334,7 @@
           <a:p>
             <a:fld id="{A2856F17-B7EA-48F2-A20C-FEA5A1F9DF23}" type="datetimeFigureOut">
               <a:rPr lang="zh-Hans-HK" altLang="en-US" smtClean="0"/>
-              <a:t>04/24/2023</a:t>
+              <a:t>18/5/2023</a:t>
             </a:fld>
             <a:endParaRPr lang="zh-Hans-HK" altLang="en-US"/>
           </a:p>
@@ -6535,7 +6534,7 @@
           <a:p>
             <a:fld id="{A2856F17-B7EA-48F2-A20C-FEA5A1F9DF23}" type="datetimeFigureOut">
               <a:rPr lang="zh-Hans-HK" altLang="en-US" smtClean="0"/>
-              <a:t>04/24/2023</a:t>
+              <a:t>18/5/2023</a:t>
             </a:fld>
             <a:endParaRPr lang="zh-Hans-HK" altLang="en-US"/>
           </a:p>
@@ -6745,7 +6744,7 @@
           <a:p>
             <a:fld id="{A2856F17-B7EA-48F2-A20C-FEA5A1F9DF23}" type="datetimeFigureOut">
               <a:rPr lang="zh-Hans-HK" altLang="en-US" smtClean="0"/>
-              <a:t>04/24/2023</a:t>
+              <a:t>18/5/2023</a:t>
             </a:fld>
             <a:endParaRPr lang="zh-Hans-HK" altLang="en-US"/>
           </a:p>
@@ -6945,7 +6944,7 @@
           <a:p>
             <a:fld id="{A2856F17-B7EA-48F2-A20C-FEA5A1F9DF23}" type="datetimeFigureOut">
               <a:rPr lang="zh-Hans-HK" altLang="en-US" smtClean="0"/>
-              <a:t>04/24/2023</a:t>
+              <a:t>18/5/2023</a:t>
             </a:fld>
             <a:endParaRPr lang="zh-Hans-HK" altLang="en-US"/>
           </a:p>
@@ -7221,7 +7220,7 @@
           <a:p>
             <a:fld id="{A2856F17-B7EA-48F2-A20C-FEA5A1F9DF23}" type="datetimeFigureOut">
               <a:rPr lang="zh-Hans-HK" altLang="en-US" smtClean="0"/>
-              <a:t>04/24/2023</a:t>
+              <a:t>18/5/2023</a:t>
             </a:fld>
             <a:endParaRPr lang="zh-Hans-HK" altLang="en-US"/>
           </a:p>
@@ -7489,7 +7488,7 @@
           <a:p>
             <a:fld id="{A2856F17-B7EA-48F2-A20C-FEA5A1F9DF23}" type="datetimeFigureOut">
               <a:rPr lang="zh-Hans-HK" altLang="en-US" smtClean="0"/>
-              <a:t>04/24/2023</a:t>
+              <a:t>18/5/2023</a:t>
             </a:fld>
             <a:endParaRPr lang="zh-Hans-HK" altLang="en-US"/>
           </a:p>
@@ -7904,7 +7903,7 @@
           <a:p>
             <a:fld id="{A2856F17-B7EA-48F2-A20C-FEA5A1F9DF23}" type="datetimeFigureOut">
               <a:rPr lang="zh-Hans-HK" altLang="en-US" smtClean="0"/>
-              <a:t>04/24/2023</a:t>
+              <a:t>18/5/2023</a:t>
             </a:fld>
             <a:endParaRPr lang="zh-Hans-HK" altLang="en-US"/>
           </a:p>
@@ -8046,7 +8045,7 @@
           <a:p>
             <a:fld id="{A2856F17-B7EA-48F2-A20C-FEA5A1F9DF23}" type="datetimeFigureOut">
               <a:rPr lang="zh-Hans-HK" altLang="en-US" smtClean="0"/>
-              <a:t>04/24/2023</a:t>
+              <a:t>18/5/2023</a:t>
             </a:fld>
             <a:endParaRPr lang="zh-Hans-HK" altLang="en-US"/>
           </a:p>
@@ -8159,7 +8158,7 @@
           <a:p>
             <a:fld id="{A2856F17-B7EA-48F2-A20C-FEA5A1F9DF23}" type="datetimeFigureOut">
               <a:rPr lang="zh-Hans-HK" altLang="en-US" smtClean="0"/>
-              <a:t>04/24/2023</a:t>
+              <a:t>18/5/2023</a:t>
             </a:fld>
             <a:endParaRPr lang="zh-Hans-HK" altLang="en-US"/>
           </a:p>
@@ -8472,7 +8471,7 @@
           <a:p>
             <a:fld id="{A2856F17-B7EA-48F2-A20C-FEA5A1F9DF23}" type="datetimeFigureOut">
               <a:rPr lang="zh-Hans-HK" altLang="en-US" smtClean="0"/>
-              <a:t>04/24/2023</a:t>
+              <a:t>18/5/2023</a:t>
             </a:fld>
             <a:endParaRPr lang="zh-Hans-HK" altLang="en-US"/>
           </a:p>
@@ -8761,7 +8760,7 @@
           <a:p>
             <a:fld id="{A2856F17-B7EA-48F2-A20C-FEA5A1F9DF23}" type="datetimeFigureOut">
               <a:rPr lang="zh-Hans-HK" altLang="en-US" smtClean="0"/>
-              <a:t>04/24/2023</a:t>
+              <a:t>18/5/2023</a:t>
             </a:fld>
             <a:endParaRPr lang="zh-Hans-HK" altLang="en-US"/>
           </a:p>
@@ -9025,7 +9024,7 @@
           <a:p>
             <a:fld id="{A2856F17-B7EA-48F2-A20C-FEA5A1F9DF23}" type="datetimeFigureOut">
               <a:rPr lang="zh-Hans-HK" altLang="en-US" smtClean="0"/>
-              <a:t>04/24/2023</a:t>
+              <a:t>18/5/2023</a:t>
             </a:fld>
             <a:endParaRPr lang="zh-Hans-HK" altLang="en-US"/>
           </a:p>
@@ -9522,100 +9521,6 @@
                 <a:schemeClr val="bg1"/>
               </a:solidFill>
               <a:latin typeface="Poppins" panose="00000500000000000000" pitchFamily="50" charset="0"/>
-              <a:cs typeface="Poppins" panose="00000500000000000000" pitchFamily="50" charset="0"/>
-            </a:endParaRPr>
-          </a:p>
-        </p:txBody>
-      </p:sp>
-      <p:sp>
-        <p:nvSpPr>
-          <p:cNvPr id="3" name="Subtitle 2">
-            <a:extLst>
-              <a:ext uri="{FF2B5EF4-FFF2-40B4-BE49-F238E27FC236}">
-                <a16:creationId xmlns:a16="http://schemas.microsoft.com/office/drawing/2014/main" id="{B6C157C3-CCB7-2CCB-8B5B-67137A4A96EC}"/>
-              </a:ext>
-            </a:extLst>
-          </p:cNvPr>
-          <p:cNvSpPr>
-            <a:spLocks noGrp="1"/>
-          </p:cNvSpPr>
-          <p:nvPr>
-            <p:ph type="subTitle" idx="1"/>
-          </p:nvPr>
-        </p:nvSpPr>
-        <p:spPr>
-          <a:xfrm>
-            <a:off x="2284771" y="4939015"/>
-            <a:ext cx="7622456" cy="480864"/>
-          </a:xfrm>
-        </p:spPr>
-        <p:txBody>
-          <a:bodyPr vert="horz" lIns="91440" tIns="45720" rIns="91440" bIns="45720" rtlCol="0" anchor="t">
-            <a:normAutofit fontScale="92500"/>
-          </a:bodyPr>
-          <a:lstStyle/>
-          <a:p>
-            <a:pPr algn="l"/>
-            <a:r>
-              <a:rPr lang="en-US">
-                <a:solidFill>
-                  <a:schemeClr val="bg1">
-                    <a:lumMod val="65000"/>
-                  </a:schemeClr>
-                </a:solidFill>
-                <a:latin typeface="Poppins"/>
-                <a:ea typeface="Meiryo"/>
-                <a:cs typeface="Poppins"/>
-              </a:rPr>
-              <a:t>Presented by YANG Yuting and Wang </a:t>
-            </a:r>
-            <a:r>
-              <a:rPr lang="en-US" err="1">
-                <a:solidFill>
-                  <a:schemeClr val="bg1">
-                    <a:lumMod val="65000"/>
-                  </a:schemeClr>
-                </a:solidFill>
-                <a:latin typeface="Poppins"/>
-                <a:ea typeface="Meiryo"/>
-                <a:cs typeface="Poppins"/>
-              </a:rPr>
-              <a:t>Yiyan</a:t>
-            </a:r>
-            <a:r>
-              <a:rPr lang="en-US">
-                <a:solidFill>
-                  <a:schemeClr val="bg1">
-                    <a:lumMod val="65000"/>
-                  </a:schemeClr>
-                </a:solidFill>
-                <a:latin typeface="Poppins"/>
-                <a:ea typeface="Meiryo"/>
-                <a:cs typeface="Poppins"/>
-              </a:rPr>
-              <a:t> (Group 5)</a:t>
-            </a:r>
-            <a:endParaRPr lang="zh-Hans-HK" altLang="en-US">
-              <a:solidFill>
-                <a:schemeClr val="bg1">
-                  <a:lumMod val="65000"/>
-                </a:schemeClr>
-              </a:solidFill>
-              <a:latin typeface="Poppins" panose="00000500000000000000" pitchFamily="50" charset="0"/>
-              <a:ea typeface="Meiryo" panose="020B0604030504040204" pitchFamily="34" charset="-128"/>
-              <a:cs typeface="Poppins" panose="00000500000000000000" pitchFamily="50" charset="0"/>
-            </a:endParaRPr>
-          </a:p>
-          <a:p>
-            <a:pPr algn="l"/>
-            <a:endParaRPr lang="en-US">
-              <a:solidFill>
-                <a:schemeClr val="bg1">
-                  <a:lumMod val="65000"/>
-                </a:schemeClr>
-              </a:solidFill>
-              <a:latin typeface="Poppins" panose="00000500000000000000" pitchFamily="50" charset="0"/>
-              <a:ea typeface="Meiryo" panose="020B0604030504040204" pitchFamily="34" charset="-128"/>
               <a:cs typeface="Poppins" panose="00000500000000000000" pitchFamily="50" charset="0"/>
             </a:endParaRPr>
           </a:p>
@@ -17363,8 +17268,8 @@
             </a:p>
           </p:txBody>
         </p:sp>
-        <mc:AlternateContent xmlns:mc="http://schemas.openxmlformats.org/markup-compatibility/2006">
-          <mc:Choice xmlns:a14="http://schemas.microsoft.com/office/drawing/2010/main" Requires="a14">
+        <mc:AlternateContent xmlns:mc="http://schemas.openxmlformats.org/markup-compatibility/2006" xmlns:a14="http://schemas.microsoft.com/office/drawing/2010/main">
+          <mc:Choice Requires="a14">
             <p:sp>
               <p:nvSpPr>
                 <p:cNvPr id="11" name="TextBox 10">
@@ -17438,7 +17343,7 @@
               </p:txBody>
             </p:sp>
           </mc:Choice>
-          <mc:Fallback>
+          <mc:Fallback xmlns="">
             <p:sp>
               <p:nvSpPr>
                 <p:cNvPr id="11" name="TextBox 10">
@@ -17483,8 +17388,8 @@
             </p:sp>
           </mc:Fallback>
         </mc:AlternateContent>
-        <mc:AlternateContent xmlns:mc="http://schemas.openxmlformats.org/markup-compatibility/2006">
-          <mc:Choice xmlns:a14="http://schemas.microsoft.com/office/drawing/2010/main" Requires="a14">
+        <mc:AlternateContent xmlns:mc="http://schemas.openxmlformats.org/markup-compatibility/2006" xmlns:a14="http://schemas.microsoft.com/office/drawing/2010/main">
+          <mc:Choice Requires="a14">
             <p:sp>
               <p:nvSpPr>
                 <p:cNvPr id="12" name="TextBox 11">
@@ -17558,7 +17463,7 @@
               </p:txBody>
             </p:sp>
           </mc:Choice>
-          <mc:Fallback>
+          <mc:Fallback xmlns="">
             <p:sp>
               <p:nvSpPr>
                 <p:cNvPr id="12" name="TextBox 11">
@@ -19131,8 +19036,8 @@
             </a:p>
           </p:txBody>
         </p:sp>
-        <mc:AlternateContent xmlns:mc="http://schemas.openxmlformats.org/markup-compatibility/2006">
-          <mc:Choice xmlns:a14="http://schemas.microsoft.com/office/drawing/2010/main" Requires="a14">
+        <mc:AlternateContent xmlns:mc="http://schemas.openxmlformats.org/markup-compatibility/2006" xmlns:a14="http://schemas.microsoft.com/office/drawing/2010/main">
+          <mc:Choice Requires="a14">
             <p:sp>
               <p:nvSpPr>
                 <p:cNvPr id="94" name="TextBox 93">
@@ -19226,7 +19131,7 @@
               </p:txBody>
             </p:sp>
           </mc:Choice>
-          <mc:Fallback>
+          <mc:Fallback xmlns="">
             <p:sp>
               <p:nvSpPr>
                 <p:cNvPr id="94" name="TextBox 93">
@@ -19271,8 +19176,8 @@
             </p:sp>
           </mc:Fallback>
         </mc:AlternateContent>
-        <mc:AlternateContent xmlns:mc="http://schemas.openxmlformats.org/markup-compatibility/2006">
-          <mc:Choice xmlns:a14="http://schemas.microsoft.com/office/drawing/2010/main" Requires="a14">
+        <mc:AlternateContent xmlns:mc="http://schemas.openxmlformats.org/markup-compatibility/2006" xmlns:a14="http://schemas.microsoft.com/office/drawing/2010/main">
+          <mc:Choice Requires="a14">
             <p:sp>
               <p:nvSpPr>
                 <p:cNvPr id="95" name="TextBox 94">
@@ -19366,7 +19271,7 @@
               </p:txBody>
             </p:sp>
           </mc:Choice>
-          <mc:Fallback>
+          <mc:Fallback xmlns="">
             <p:sp>
               <p:nvSpPr>
                 <p:cNvPr id="95" name="TextBox 94">
